--- a/BABLPowerPoint.pptx
+++ b/BABLPowerPoint.pptx
@@ -291,7 +291,7 @@
               <a:pPr>
                 <a:defRPr/>
               </a:pPr>
-              <a:t>3/15/2017</a:t>
+              <a:t>3/16/2017</a:t>
             </a:fld>
             <a:endParaRPr lang="en-US" dirty="0"/>
           </a:p>
@@ -503,7 +503,7 @@
               <a:pPr>
                 <a:defRPr/>
               </a:pPr>
-              <a:t>3/15/2017</a:t>
+              <a:t>3/16/2017</a:t>
             </a:fld>
             <a:endParaRPr lang="en-US" dirty="0"/>
           </a:p>
@@ -4375,6 +4375,30 @@
           </a:prstGeom>
         </p:spPr>
       </p:pic>
+      <p:pic>
+        <p:nvPicPr>
+          <p:cNvPr id="3" name="Picture 2"/>
+          <p:cNvPicPr>
+            <a:picLocks noChangeAspect="1"/>
+          </p:cNvPicPr>
+          <p:nvPr/>
+        </p:nvPicPr>
+        <p:blipFill>
+          <a:blip r:embed="rId4"/>
+          <a:stretch>
+            <a:fillRect/>
+          </a:stretch>
+        </p:blipFill>
+        <p:spPr>
+          <a:xfrm>
+            <a:off x="5034557" y="3138766"/>
+            <a:ext cx="2321859" cy="2321859"/>
+          </a:xfrm>
+          <a:prstGeom prst="rect">
+            <a:avLst/>
+          </a:prstGeom>
+        </p:spPr>
+      </p:pic>
     </p:spTree>
     <p:extLst>
       <p:ext uri="{BB962C8B-B14F-4D97-AF65-F5344CB8AC3E}">
@@ -4807,7 +4831,7 @@
         <p:spPr>
           <a:xfrm>
             <a:off x="364603" y="1752600"/>
-            <a:ext cx="4572000" cy="3785652"/>
+            <a:ext cx="4572000" cy="4708981"/>
           </a:xfrm>
           <a:prstGeom prst="rect">
             <a:avLst/>
@@ -4857,23 +4881,7 @@
                 <a:ea typeface="Calibri" panose="020F0502020204030204" pitchFamily="34" charset="0"/>
                 <a:cs typeface="Times New Roman" panose="02020603050405020304" pitchFamily="18" charset="0"/>
               </a:rPr>
-              <a:t>What makes BABL awesome is the tech behind the scenes. It has fully featured Facebook Integration,</a:t>
-            </a:r>
-            <a:r>
-              <a:rPr lang="en-US" sz="2000" dirty="0">
-                <a:latin typeface="Times New Roman" panose="02020603050405020304" pitchFamily="18" charset="0"/>
-                <a:ea typeface="Calibri" panose="020F0502020204030204" pitchFamily="34" charset="0"/>
-                <a:cs typeface="Times New Roman" panose="02020603050405020304" pitchFamily="18" charset="0"/>
-              </a:rPr>
-              <a:t> Asynchronous Tasking,</a:t>
-            </a:r>
-            <a:r>
-              <a:rPr lang="en-US" sz="2000" dirty="0">
-                <a:latin typeface="Times New Roman" panose="02020603050405020304" pitchFamily="18" charset="0"/>
-                <a:ea typeface="Calibri" panose="020F0502020204030204" pitchFamily="34" charset="0"/>
-                <a:cs typeface="Times New Roman" panose="02020603050405020304" pitchFamily="18" charset="0"/>
-              </a:rPr>
-              <a:t> Password Encryption, and User Data Storage using Microsoft SQL Server. </a:t>
+              <a:t>What makes BABL awesome is the tech behind the scenes. It has fully featured Facebook integration, asynchronous tasking, password encryption. BABL’s user data storage, matching algorithm, and stored procedures are all done using Microsoft SQL Server and are hosted on Amazon Web Services. </a:t>
             </a:r>
           </a:p>
         </p:txBody>
@@ -6664,21 +6672,6 @@
 </file>
 
 <file path=customXml/item1.xml><?xml version="1.0" encoding="utf-8"?>
-<?mso-contentType ?>
-<FormTemplates xmlns="http://schemas.microsoft.com/sharepoint/v3/contenttype/forms">
-  <Display>DocumentLibraryForm</Display>
-  <Edit>DocumentLibraryForm</Edit>
-  <New>DocumentLibraryForm</New>
-</FormTemplates>
-</file>
-
-<file path=customXml/item2.xml><?xml version="1.0" encoding="utf-8"?>
-<p:properties xmlns:p="http://schemas.microsoft.com/office/2006/metadata/properties" xmlns:xsi="http://www.w3.org/2001/XMLSchema-instance" xmlns:pc="http://schemas.microsoft.com/office/infopath/2007/PartnerControls">
-  <documentManagement/>
-</p:properties>
-</file>
-
-<file path=customXml/item3.xml><?xml version="1.0" encoding="utf-8"?>
 <ct:contentTypeSchema xmlns:ct="http://schemas.microsoft.com/office/2006/metadata/contentType" xmlns:ma="http://schemas.microsoft.com/office/2006/metadata/properties/metaAttributes" ct:_="" ma:_="" ma:contentTypeName="Document" ma:contentTypeID="0x01010058C64DCBBBB02E47B40AAE6C01CFFF74" ma:contentTypeVersion="1" ma:contentTypeDescription="Create a new document." ma:contentTypeScope="" ma:versionID="ed9f4f4e58614d4f82a4863f2a55a10b">
   <xsd:schema xmlns:xsd="http://www.w3.org/2001/XMLSchema" xmlns:xs="http://www.w3.org/2001/XMLSchema" xmlns:p="http://schemas.microsoft.com/office/2006/metadata/properties" xmlns:ns3="75fa4488-412e-4aad-a494-5f11aff3f35a" targetNamespace="http://schemas.microsoft.com/office/2006/metadata/properties" ma:root="true" ma:fieldsID="9e40df8ca300f98e02f87cfdfa8a0fec" ns3:_="">
     <xsd:import namespace="75fa4488-412e-4aad-a494-5f11aff3f35a"/>
@@ -6818,10 +6811,35 @@
 </ct:contentTypeSchema>
 </file>
 
+<file path=customXml/item2.xml><?xml version="1.0" encoding="utf-8"?>
+<p:properties xmlns:p="http://schemas.microsoft.com/office/2006/metadata/properties" xmlns:xsi="http://www.w3.org/2001/XMLSchema-instance" xmlns:pc="http://schemas.microsoft.com/office/infopath/2007/PartnerControls">
+  <documentManagement/>
+</p:properties>
+</file>
+
+<file path=customXml/item3.xml><?xml version="1.0" encoding="utf-8"?>
+<?mso-contentType ?>
+<FormTemplates xmlns="http://schemas.microsoft.com/sharepoint/v3/contenttype/forms">
+  <Display>DocumentLibraryForm</Display>
+  <Edit>DocumentLibraryForm</Edit>
+  <New>DocumentLibraryForm</New>
+</FormTemplates>
+</file>
+
 <file path=customXml/itemProps1.xml><?xml version="1.0" encoding="utf-8"?>
-<ds:datastoreItem xmlns:ds="http://schemas.openxmlformats.org/officeDocument/2006/customXml" ds:itemID="{86BCD1B8-BEDB-412C-86AE-9E7F6160505C}">
+<ds:datastoreItem xmlns:ds="http://schemas.openxmlformats.org/officeDocument/2006/customXml" ds:itemID="{8D5271B5-4D4B-48D0-8119-5E169AFC2124}">
   <ds:schemaRefs>
-    <ds:schemaRef ds:uri="http://schemas.microsoft.com/sharepoint/v3/contenttype/forms"/>
+    <ds:schemaRef ds:uri="http://schemas.microsoft.com/office/2006/metadata/contentType"/>
+    <ds:schemaRef ds:uri="http://schemas.microsoft.com/office/2006/metadata/properties/metaAttributes"/>
+    <ds:schemaRef ds:uri="http://www.w3.org/2001/XMLSchema"/>
+    <ds:schemaRef ds:uri="http://schemas.microsoft.com/office/2006/metadata/properties"/>
+    <ds:schemaRef ds:uri="75fa4488-412e-4aad-a494-5f11aff3f35a"/>
+    <ds:schemaRef ds:uri="http://schemas.microsoft.com/office/2006/documentManagement/types"/>
+    <ds:schemaRef ds:uri="http://schemas.microsoft.com/office/infopath/2007/PartnerControls"/>
+    <ds:schemaRef ds:uri="http://schemas.openxmlformats.org/package/2006/metadata/core-properties"/>
+    <ds:schemaRef ds:uri="http://purl.org/dc/elements/1.1/"/>
+    <ds:schemaRef ds:uri="http://purl.org/dc/terms/"/>
+    <ds:schemaRef ds:uri="http://schemas.microsoft.com/internal/obd"/>
   </ds:schemaRefs>
 </ds:datastoreItem>
 </file>
@@ -6843,19 +6861,9 @@
 </file>
 
 <file path=customXml/itemProps3.xml><?xml version="1.0" encoding="utf-8"?>
-<ds:datastoreItem xmlns:ds="http://schemas.openxmlformats.org/officeDocument/2006/customXml" ds:itemID="{8D5271B5-4D4B-48D0-8119-5E169AFC2124}">
+<ds:datastoreItem xmlns:ds="http://schemas.openxmlformats.org/officeDocument/2006/customXml" ds:itemID="{86BCD1B8-BEDB-412C-86AE-9E7F6160505C}">
   <ds:schemaRefs>
-    <ds:schemaRef ds:uri="http://schemas.microsoft.com/office/2006/metadata/contentType"/>
-    <ds:schemaRef ds:uri="http://schemas.microsoft.com/office/2006/metadata/properties/metaAttributes"/>
-    <ds:schemaRef ds:uri="http://www.w3.org/2001/XMLSchema"/>
-    <ds:schemaRef ds:uri="http://schemas.microsoft.com/office/2006/metadata/properties"/>
-    <ds:schemaRef ds:uri="75fa4488-412e-4aad-a494-5f11aff3f35a"/>
-    <ds:schemaRef ds:uri="http://schemas.microsoft.com/office/2006/documentManagement/types"/>
-    <ds:schemaRef ds:uri="http://schemas.microsoft.com/office/infopath/2007/PartnerControls"/>
-    <ds:schemaRef ds:uri="http://schemas.openxmlformats.org/package/2006/metadata/core-properties"/>
-    <ds:schemaRef ds:uri="http://purl.org/dc/elements/1.1/"/>
-    <ds:schemaRef ds:uri="http://purl.org/dc/terms/"/>
-    <ds:schemaRef ds:uri="http://schemas.microsoft.com/internal/obd"/>
+    <ds:schemaRef ds:uri="http://schemas.microsoft.com/sharepoint/v3/contenttype/forms"/>
   </ds:schemaRefs>
 </ds:datastoreItem>
 </file>
--- a/BABLPowerPoint.pptx
+++ b/BABLPowerPoint.pptx
@@ -4391,7 +4391,7 @@
         </p:blipFill>
         <p:spPr>
           <a:xfrm>
-            <a:off x="5034557" y="3138766"/>
+            <a:off x="5034557" y="3125319"/>
             <a:ext cx="2321859" cy="2321859"/>
           </a:xfrm>
           <a:prstGeom prst="rect">
@@ -4501,7 +4501,7 @@
                 <a:ea typeface="Calibri" panose="020F0502020204030204" pitchFamily="34" charset="0"/>
                 <a:cs typeface="Times New Roman" panose="02020603050405020304" pitchFamily="18" charset="0"/>
               </a:rPr>
-              <a:t>BABL is a Simple, Clean, and User-Friendly app coded in Java for Android Devices. It’s core functionality is based around helping Pitt students of all campuses meet and connect with other students, for the purpose of speaking or learning to speak bilingually.</a:t>
+              <a:t>BABL is a Simple, Clean, and User-Friendly app coded in Java for Android Devices. It’s core functionality is based around helping Pitt students of all campuses meet and connect with other students for the purpose of speaking or learning to speak bilingually.</a:t>
             </a:r>
           </a:p>
           <a:p>
@@ -4881,7 +4881,7 @@
                 <a:ea typeface="Calibri" panose="020F0502020204030204" pitchFamily="34" charset="0"/>
                 <a:cs typeface="Times New Roman" panose="02020603050405020304" pitchFamily="18" charset="0"/>
               </a:rPr>
-              <a:t>What makes BABL awesome is the tech behind the scenes. It has fully featured Facebook integration, asynchronous tasking, password encryption. BABL’s user data storage, matching algorithm, and stored procedures are all done using Microsoft SQL Server and are hosted on Amazon Web Services. </a:t>
+              <a:t>What makes BABL awesome is the tech behind the scenes. It has fully featured Facebook integration, asynchronous tasking, and password encryption. BABL’s user data storage, matching algorithm, and stored procedures are all done using Microsoft SQL Server and are hosted on Amazon Web Services. </a:t>
             </a:r>
           </a:p>
         </p:txBody>
@@ -6672,6 +6672,21 @@
 </file>
 
 <file path=customXml/item1.xml><?xml version="1.0" encoding="utf-8"?>
+<?mso-contentType ?>
+<FormTemplates xmlns="http://schemas.microsoft.com/sharepoint/v3/contenttype/forms">
+  <Display>DocumentLibraryForm</Display>
+  <Edit>DocumentLibraryForm</Edit>
+  <New>DocumentLibraryForm</New>
+</FormTemplates>
+</file>
+
+<file path=customXml/item2.xml><?xml version="1.0" encoding="utf-8"?>
+<p:properties xmlns:p="http://schemas.microsoft.com/office/2006/metadata/properties" xmlns:xsi="http://www.w3.org/2001/XMLSchema-instance" xmlns:pc="http://schemas.microsoft.com/office/infopath/2007/PartnerControls">
+  <documentManagement/>
+</p:properties>
+</file>
+
+<file path=customXml/item3.xml><?xml version="1.0" encoding="utf-8"?>
 <ct:contentTypeSchema xmlns:ct="http://schemas.microsoft.com/office/2006/metadata/contentType" xmlns:ma="http://schemas.microsoft.com/office/2006/metadata/properties/metaAttributes" ct:_="" ma:_="" ma:contentTypeName="Document" ma:contentTypeID="0x01010058C64DCBBBB02E47B40AAE6C01CFFF74" ma:contentTypeVersion="1" ma:contentTypeDescription="Create a new document." ma:contentTypeScope="" ma:versionID="ed9f4f4e58614d4f82a4863f2a55a10b">
   <xsd:schema xmlns:xsd="http://www.w3.org/2001/XMLSchema" xmlns:xs="http://www.w3.org/2001/XMLSchema" xmlns:p="http://schemas.microsoft.com/office/2006/metadata/properties" xmlns:ns3="75fa4488-412e-4aad-a494-5f11aff3f35a" targetNamespace="http://schemas.microsoft.com/office/2006/metadata/properties" ma:root="true" ma:fieldsID="9e40df8ca300f98e02f87cfdfa8a0fec" ns3:_="">
     <xsd:import namespace="75fa4488-412e-4aad-a494-5f11aff3f35a"/>
@@ -6811,35 +6826,10 @@
 </ct:contentTypeSchema>
 </file>
 
-<file path=customXml/item2.xml><?xml version="1.0" encoding="utf-8"?>
-<p:properties xmlns:p="http://schemas.microsoft.com/office/2006/metadata/properties" xmlns:xsi="http://www.w3.org/2001/XMLSchema-instance" xmlns:pc="http://schemas.microsoft.com/office/infopath/2007/PartnerControls">
-  <documentManagement/>
-</p:properties>
-</file>
-
-<file path=customXml/item3.xml><?xml version="1.0" encoding="utf-8"?>
-<?mso-contentType ?>
-<FormTemplates xmlns="http://schemas.microsoft.com/sharepoint/v3/contenttype/forms">
-  <Display>DocumentLibraryForm</Display>
-  <Edit>DocumentLibraryForm</Edit>
-  <New>DocumentLibraryForm</New>
-</FormTemplates>
-</file>
-
 <file path=customXml/itemProps1.xml><?xml version="1.0" encoding="utf-8"?>
-<ds:datastoreItem xmlns:ds="http://schemas.openxmlformats.org/officeDocument/2006/customXml" ds:itemID="{8D5271B5-4D4B-48D0-8119-5E169AFC2124}">
+<ds:datastoreItem xmlns:ds="http://schemas.openxmlformats.org/officeDocument/2006/customXml" ds:itemID="{86BCD1B8-BEDB-412C-86AE-9E7F6160505C}">
   <ds:schemaRefs>
-    <ds:schemaRef ds:uri="http://schemas.microsoft.com/office/2006/metadata/contentType"/>
-    <ds:schemaRef ds:uri="http://schemas.microsoft.com/office/2006/metadata/properties/metaAttributes"/>
-    <ds:schemaRef ds:uri="http://www.w3.org/2001/XMLSchema"/>
-    <ds:schemaRef ds:uri="http://schemas.microsoft.com/office/2006/metadata/properties"/>
-    <ds:schemaRef ds:uri="75fa4488-412e-4aad-a494-5f11aff3f35a"/>
-    <ds:schemaRef ds:uri="http://schemas.microsoft.com/office/2006/documentManagement/types"/>
-    <ds:schemaRef ds:uri="http://schemas.microsoft.com/office/infopath/2007/PartnerControls"/>
-    <ds:schemaRef ds:uri="http://schemas.openxmlformats.org/package/2006/metadata/core-properties"/>
-    <ds:schemaRef ds:uri="http://purl.org/dc/elements/1.1/"/>
-    <ds:schemaRef ds:uri="http://purl.org/dc/terms/"/>
-    <ds:schemaRef ds:uri="http://schemas.microsoft.com/internal/obd"/>
+    <ds:schemaRef ds:uri="http://schemas.microsoft.com/sharepoint/v3/contenttype/forms"/>
   </ds:schemaRefs>
 </ds:datastoreItem>
 </file>
@@ -6861,9 +6851,19 @@
 </file>
 
 <file path=customXml/itemProps3.xml><?xml version="1.0" encoding="utf-8"?>
-<ds:datastoreItem xmlns:ds="http://schemas.openxmlformats.org/officeDocument/2006/customXml" ds:itemID="{86BCD1B8-BEDB-412C-86AE-9E7F6160505C}">
+<ds:datastoreItem xmlns:ds="http://schemas.openxmlformats.org/officeDocument/2006/customXml" ds:itemID="{8D5271B5-4D4B-48D0-8119-5E169AFC2124}">
   <ds:schemaRefs>
-    <ds:schemaRef ds:uri="http://schemas.microsoft.com/sharepoint/v3/contenttype/forms"/>
+    <ds:schemaRef ds:uri="http://schemas.microsoft.com/office/2006/metadata/contentType"/>
+    <ds:schemaRef ds:uri="http://schemas.microsoft.com/office/2006/metadata/properties/metaAttributes"/>
+    <ds:schemaRef ds:uri="http://www.w3.org/2001/XMLSchema"/>
+    <ds:schemaRef ds:uri="http://schemas.microsoft.com/office/2006/metadata/properties"/>
+    <ds:schemaRef ds:uri="75fa4488-412e-4aad-a494-5f11aff3f35a"/>
+    <ds:schemaRef ds:uri="http://schemas.microsoft.com/office/2006/documentManagement/types"/>
+    <ds:schemaRef ds:uri="http://schemas.microsoft.com/office/infopath/2007/PartnerControls"/>
+    <ds:schemaRef ds:uri="http://schemas.openxmlformats.org/package/2006/metadata/core-properties"/>
+    <ds:schemaRef ds:uri="http://purl.org/dc/elements/1.1/"/>
+    <ds:schemaRef ds:uri="http://purl.org/dc/terms/"/>
+    <ds:schemaRef ds:uri="http://schemas.microsoft.com/internal/obd"/>
   </ds:schemaRefs>
 </ds:datastoreItem>
 </file>
--- a/BABLPowerPoint.pptx
+++ b/BABLPowerPoint.pptx
@@ -291,7 +291,7 @@
               <a:pPr>
                 <a:defRPr/>
               </a:pPr>
-              <a:t>3/16/2017</a:t>
+              <a:t>3/17/2017</a:t>
             </a:fld>
             <a:endParaRPr lang="en-US" dirty="0"/>
           </a:p>
@@ -503,7 +503,7 @@
               <a:pPr>
                 <a:defRPr/>
               </a:pPr>
-              <a:t>3/16/2017</a:t>
+              <a:t>3/17/2017</a:t>
             </a:fld>
             <a:endParaRPr lang="en-US" dirty="0"/>
           </a:p>
@@ -4566,6 +4566,40 @@
           </a:p>
         </p:txBody>
       </p:sp>
+      <p:pic>
+        <p:nvPicPr>
+          <p:cNvPr id="4" name="Picture 3"/>
+          <p:cNvPicPr>
+            <a:picLocks noChangeAspect="1"/>
+          </p:cNvPicPr>
+          <p:nvPr/>
+        </p:nvPicPr>
+        <p:blipFill>
+          <a:blip r:embed="rId4"/>
+          <a:stretch>
+            <a:fillRect/>
+          </a:stretch>
+        </p:blipFill>
+        <p:spPr>
+          <a:xfrm>
+            <a:off x="5885049" y="2608727"/>
+            <a:ext cx="2272833" cy="4040593"/>
+          </a:xfrm>
+          <a:prstGeom prst="rect">
+            <a:avLst/>
+          </a:prstGeom>
+          <a:ln>
+            <a:noFill/>
+          </a:ln>
+          <a:effectLst>
+            <a:outerShdw blurRad="292100" dist="139700" dir="2700000" algn="tl" rotWithShape="0">
+              <a:srgbClr val="333333">
+                <a:alpha val="65000"/>
+              </a:srgbClr>
+            </a:outerShdw>
+          </a:effectLst>
+        </p:spPr>
+      </p:pic>
     </p:spTree>
     <p:extLst>
       <p:ext uri="{BB962C8B-B14F-4D97-AF65-F5344CB8AC3E}">
@@ -4910,6 +4944,178 @@
               <a:rPr lang="en-US" sz="3400" dirty="0"/>
               <a:t>BABL: Technology Summary</a:t>
             </a:r>
+          </a:p>
+        </p:txBody>
+      </p:sp>
+      <p:pic>
+        <p:nvPicPr>
+          <p:cNvPr id="4" name="Picture 3"/>
+          <p:cNvPicPr>
+            <a:picLocks noChangeAspect="1"/>
+          </p:cNvPicPr>
+          <p:nvPr/>
+        </p:nvPicPr>
+        <p:blipFill>
+          <a:blip r:embed="rId4"/>
+          <a:stretch>
+            <a:fillRect/>
+          </a:stretch>
+        </p:blipFill>
+        <p:spPr>
+          <a:xfrm>
+            <a:off x="5898778" y="2581837"/>
+            <a:ext cx="2273427" cy="4041648"/>
+          </a:xfrm>
+          <a:prstGeom prst="rect">
+            <a:avLst/>
+          </a:prstGeom>
+          <a:ln>
+            <a:noFill/>
+          </a:ln>
+          <a:effectLst>
+            <a:outerShdw blurRad="292100" dist="139700" dir="2700000" algn="tl" rotWithShape="0">
+              <a:srgbClr val="333333">
+                <a:alpha val="65000"/>
+              </a:srgbClr>
+            </a:outerShdw>
+          </a:effectLst>
+        </p:spPr>
+      </p:pic>
+      <p:sp>
+        <p:nvSpPr>
+          <p:cNvPr id="5" name="Rectangle 4"/>
+          <p:cNvSpPr/>
+          <p:nvPr/>
+        </p:nvSpPr>
+        <p:spPr>
+          <a:xfrm>
+            <a:off x="4758697" y="1830962"/>
+            <a:ext cx="1317989" cy="646331"/>
+          </a:xfrm>
+          <a:prstGeom prst="rect">
+            <a:avLst/>
+          </a:prstGeom>
+          <a:noFill/>
+        </p:spPr>
+        <p:txBody>
+          <a:bodyPr wrap="none" lIns="91440" tIns="45720" rIns="91440" bIns="45720">
+            <a:spAutoFit/>
+          </a:bodyPr>
+          <a:lstStyle/>
+          <a:p>
+            <a:pPr algn="ctr"/>
+            <a:r>
+              <a:rPr lang="en-US" sz="1200" u="sng" dirty="0">
+                <a:ln w="0"/>
+                <a:effectLst>
+                  <a:outerShdw blurRad="38100" dist="19050" dir="2700000" algn="tl" rotWithShape="0">
+                    <a:schemeClr val="dk1">
+                      <a:alpha val="40000"/>
+                    </a:schemeClr>
+                  </a:outerShdw>
+                </a:effectLst>
+              </a:rPr>
+              <a:t>Banner Image </a:t>
+            </a:r>
+          </a:p>
+          <a:p>
+            <a:pPr algn="ctr"/>
+            <a:r>
+              <a:rPr lang="en-US" sz="1200" u="sng" dirty="0">
+                <a:ln w="0"/>
+                <a:effectLst>
+                  <a:outerShdw blurRad="38100" dist="19050" dir="2700000" algn="tl" rotWithShape="0">
+                    <a:schemeClr val="dk1">
+                      <a:alpha val="40000"/>
+                    </a:schemeClr>
+                  </a:outerShdw>
+                </a:effectLst>
+              </a:rPr>
+              <a:t>Changes Based </a:t>
+            </a:r>
+          </a:p>
+          <a:p>
+            <a:pPr algn="ctr"/>
+            <a:r>
+              <a:rPr lang="en-US" sz="1200" u="sng" dirty="0">
+                <a:ln w="0"/>
+                <a:effectLst>
+                  <a:outerShdw blurRad="38100" dist="19050" dir="2700000" algn="tl" rotWithShape="0">
+                    <a:schemeClr val="dk1">
+                      <a:alpha val="40000"/>
+                    </a:schemeClr>
+                  </a:outerShdw>
+                </a:effectLst>
+              </a:rPr>
+              <a:t>On Campus</a:t>
+            </a:r>
+          </a:p>
+        </p:txBody>
+      </p:sp>
+      <p:sp>
+        <p:nvSpPr>
+          <p:cNvPr id="10" name="Arrow: Bent-Up 9"/>
+          <p:cNvSpPr/>
+          <p:nvPr/>
+        </p:nvSpPr>
+        <p:spPr bwMode="auto">
+          <a:xfrm rot="5400000">
+            <a:off x="5200551" y="2594315"/>
+            <a:ext cx="748644" cy="546847"/>
+          </a:xfrm>
+          <a:prstGeom prst="bentUpArrow">
+            <a:avLst/>
+          </a:prstGeom>
+          <a:solidFill>
+            <a:schemeClr val="tx1"/>
+          </a:solidFill>
+          <a:ln w="9525" cap="flat" cmpd="sng" algn="ctr">
+            <a:solidFill>
+              <a:schemeClr val="tx1"/>
+            </a:solidFill>
+            <a:prstDash val="solid"/>
+            <a:round/>
+            <a:headEnd type="none" w="med" len="med"/>
+            <a:tailEnd type="none" w="med" len="med"/>
+          </a:ln>
+          <a:effectLst/>
+        </p:spPr>
+        <p:txBody>
+          <a:bodyPr vert="horz" wrap="square" lIns="91440" tIns="45720" rIns="91440" bIns="45720" numCol="1" rtlCol="0" anchor="t" anchorCtr="0" compatLnSpc="1">
+            <a:prstTxWarp prst="textNoShape">
+              <a:avLst/>
+            </a:prstTxWarp>
+          </a:bodyPr>
+          <a:lstStyle/>
+          <a:p>
+            <a:pPr marL="0" marR="0" indent="0" algn="l" defTabSz="914400" rtl="0" eaLnBrk="0" fontAlgn="base" latinLnBrk="0" hangingPunct="0">
+              <a:lnSpc>
+                <a:spcPct val="100000"/>
+              </a:lnSpc>
+              <a:spcBef>
+                <a:spcPct val="0"/>
+              </a:spcBef>
+              <a:spcAft>
+                <a:spcPct val="0"/>
+              </a:spcAft>
+              <a:buClrTx/>
+              <a:buSzTx/>
+              <a:buFontTx/>
+              <a:buNone/>
+              <a:tabLst/>
+            </a:pPr>
+            <a:endParaRPr kumimoji="0" lang="en-US" sz="2400" b="0" i="0" u="none" strike="noStrike" cap="none" normalizeH="0" baseline="0">
+              <a:ln>
+                <a:noFill/>
+              </a:ln>
+              <a:solidFill>
+                <a:schemeClr val="tx1"/>
+              </a:solidFill>
+              <a:effectLst/>
+              <a:latin typeface="Arial" pitchFamily="-108" charset="0"/>
+              <a:ea typeface="ＭＳ Ｐゴシック" pitchFamily="-108" charset="-128"/>
+              <a:cs typeface="ＭＳ Ｐゴシック" pitchFamily="-108" charset="-128"/>
+            </a:endParaRPr>
           </a:p>
         </p:txBody>
       </p:sp>
@@ -6672,21 +6878,6 @@
 </file>
 
 <file path=customXml/item1.xml><?xml version="1.0" encoding="utf-8"?>
-<?mso-contentType ?>
-<FormTemplates xmlns="http://schemas.microsoft.com/sharepoint/v3/contenttype/forms">
-  <Display>DocumentLibraryForm</Display>
-  <Edit>DocumentLibraryForm</Edit>
-  <New>DocumentLibraryForm</New>
-</FormTemplates>
-</file>
-
-<file path=customXml/item2.xml><?xml version="1.0" encoding="utf-8"?>
-<p:properties xmlns:p="http://schemas.microsoft.com/office/2006/metadata/properties" xmlns:xsi="http://www.w3.org/2001/XMLSchema-instance" xmlns:pc="http://schemas.microsoft.com/office/infopath/2007/PartnerControls">
-  <documentManagement/>
-</p:properties>
-</file>
-
-<file path=customXml/item3.xml><?xml version="1.0" encoding="utf-8"?>
 <ct:contentTypeSchema xmlns:ct="http://schemas.microsoft.com/office/2006/metadata/contentType" xmlns:ma="http://schemas.microsoft.com/office/2006/metadata/properties/metaAttributes" ct:_="" ma:_="" ma:contentTypeName="Document" ma:contentTypeID="0x01010058C64DCBBBB02E47B40AAE6C01CFFF74" ma:contentTypeVersion="1" ma:contentTypeDescription="Create a new document." ma:contentTypeScope="" ma:versionID="ed9f4f4e58614d4f82a4863f2a55a10b">
   <xsd:schema xmlns:xsd="http://www.w3.org/2001/XMLSchema" xmlns:xs="http://www.w3.org/2001/XMLSchema" xmlns:p="http://schemas.microsoft.com/office/2006/metadata/properties" xmlns:ns3="75fa4488-412e-4aad-a494-5f11aff3f35a" targetNamespace="http://schemas.microsoft.com/office/2006/metadata/properties" ma:root="true" ma:fieldsID="9e40df8ca300f98e02f87cfdfa8a0fec" ns3:_="">
     <xsd:import namespace="75fa4488-412e-4aad-a494-5f11aff3f35a"/>
@@ -6826,10 +7017,35 @@
 </ct:contentTypeSchema>
 </file>
 
+<file path=customXml/item2.xml><?xml version="1.0" encoding="utf-8"?>
+<p:properties xmlns:p="http://schemas.microsoft.com/office/2006/metadata/properties" xmlns:xsi="http://www.w3.org/2001/XMLSchema-instance" xmlns:pc="http://schemas.microsoft.com/office/infopath/2007/PartnerControls">
+  <documentManagement/>
+</p:properties>
+</file>
+
+<file path=customXml/item3.xml><?xml version="1.0" encoding="utf-8"?>
+<?mso-contentType ?>
+<FormTemplates xmlns="http://schemas.microsoft.com/sharepoint/v3/contenttype/forms">
+  <Display>DocumentLibraryForm</Display>
+  <Edit>DocumentLibraryForm</Edit>
+  <New>DocumentLibraryForm</New>
+</FormTemplates>
+</file>
+
 <file path=customXml/itemProps1.xml><?xml version="1.0" encoding="utf-8"?>
-<ds:datastoreItem xmlns:ds="http://schemas.openxmlformats.org/officeDocument/2006/customXml" ds:itemID="{86BCD1B8-BEDB-412C-86AE-9E7F6160505C}">
+<ds:datastoreItem xmlns:ds="http://schemas.openxmlformats.org/officeDocument/2006/customXml" ds:itemID="{8D5271B5-4D4B-48D0-8119-5E169AFC2124}">
   <ds:schemaRefs>
-    <ds:schemaRef ds:uri="http://schemas.microsoft.com/sharepoint/v3/contenttype/forms"/>
+    <ds:schemaRef ds:uri="http://schemas.microsoft.com/office/2006/metadata/contentType"/>
+    <ds:schemaRef ds:uri="http://schemas.microsoft.com/office/2006/metadata/properties/metaAttributes"/>
+    <ds:schemaRef ds:uri="http://www.w3.org/2001/XMLSchema"/>
+    <ds:schemaRef ds:uri="http://schemas.microsoft.com/office/2006/metadata/properties"/>
+    <ds:schemaRef ds:uri="75fa4488-412e-4aad-a494-5f11aff3f35a"/>
+    <ds:schemaRef ds:uri="http://schemas.microsoft.com/office/2006/documentManagement/types"/>
+    <ds:schemaRef ds:uri="http://schemas.microsoft.com/office/infopath/2007/PartnerControls"/>
+    <ds:schemaRef ds:uri="http://schemas.openxmlformats.org/package/2006/metadata/core-properties"/>
+    <ds:schemaRef ds:uri="http://purl.org/dc/elements/1.1/"/>
+    <ds:schemaRef ds:uri="http://purl.org/dc/terms/"/>
+    <ds:schemaRef ds:uri="http://schemas.microsoft.com/internal/obd"/>
   </ds:schemaRefs>
 </ds:datastoreItem>
 </file>
@@ -6851,19 +7067,9 @@
 </file>
 
 <file path=customXml/itemProps3.xml><?xml version="1.0" encoding="utf-8"?>
-<ds:datastoreItem xmlns:ds="http://schemas.openxmlformats.org/officeDocument/2006/customXml" ds:itemID="{8D5271B5-4D4B-48D0-8119-5E169AFC2124}">
+<ds:datastoreItem xmlns:ds="http://schemas.openxmlformats.org/officeDocument/2006/customXml" ds:itemID="{86BCD1B8-BEDB-412C-86AE-9E7F6160505C}">
   <ds:schemaRefs>
-    <ds:schemaRef ds:uri="http://schemas.microsoft.com/office/2006/metadata/contentType"/>
-    <ds:schemaRef ds:uri="http://schemas.microsoft.com/office/2006/metadata/properties/metaAttributes"/>
-    <ds:schemaRef ds:uri="http://www.w3.org/2001/XMLSchema"/>
-    <ds:schemaRef ds:uri="http://schemas.microsoft.com/office/2006/metadata/properties"/>
-    <ds:schemaRef ds:uri="75fa4488-412e-4aad-a494-5f11aff3f35a"/>
-    <ds:schemaRef ds:uri="http://schemas.microsoft.com/office/2006/documentManagement/types"/>
-    <ds:schemaRef ds:uri="http://schemas.microsoft.com/office/infopath/2007/PartnerControls"/>
-    <ds:schemaRef ds:uri="http://schemas.openxmlformats.org/package/2006/metadata/core-properties"/>
-    <ds:schemaRef ds:uri="http://purl.org/dc/elements/1.1/"/>
-    <ds:schemaRef ds:uri="http://purl.org/dc/terms/"/>
-    <ds:schemaRef ds:uri="http://schemas.microsoft.com/internal/obd"/>
+    <ds:schemaRef ds:uri="http://schemas.microsoft.com/sharepoint/v3/contenttype/forms"/>
   </ds:schemaRefs>
 </ds:datastoreItem>
 </file>
--- a/BABLPowerPoint.pptx
+++ b/BABLPowerPoint.pptx
@@ -4712,7 +4712,23 @@
                 <a:ea typeface="Calibri" panose="020F0502020204030204" pitchFamily="34" charset="0"/>
                 <a:cs typeface="Times New Roman" panose="02020603050405020304" pitchFamily="18" charset="0"/>
               </a:rPr>
-              <a:t>: Our target market is Android Users at the University of Pittsburgh that speak or want to speak bilingually.</a:t>
+              <a:t>: Our target market is Android Users at the University of Pittsburgh main and </a:t>
+            </a:r>
+            <a:r>
+              <a:rPr lang="en-US" sz="2000">
+                <a:latin typeface="Times New Roman" panose="02020603050405020304" pitchFamily="18" charset="0"/>
+                <a:ea typeface="Calibri" panose="020F0502020204030204" pitchFamily="34" charset="0"/>
+                <a:cs typeface="Times New Roman" panose="02020603050405020304" pitchFamily="18" charset="0"/>
+              </a:rPr>
+              <a:t>regional campuses </a:t>
+            </a:r>
+            <a:r>
+              <a:rPr lang="en-US" sz="2000" dirty="0">
+                <a:latin typeface="Times New Roman" panose="02020603050405020304" pitchFamily="18" charset="0"/>
+                <a:ea typeface="Calibri" panose="020F0502020204030204" pitchFamily="34" charset="0"/>
+                <a:cs typeface="Times New Roman" panose="02020603050405020304" pitchFamily="18" charset="0"/>
+              </a:rPr>
+              <a:t>that speak or want to speak bilingually.</a:t>
             </a:r>
           </a:p>
           <a:p>
@@ -6878,6 +6894,21 @@
 </file>
 
 <file path=customXml/item1.xml><?xml version="1.0" encoding="utf-8"?>
+<?mso-contentType ?>
+<FormTemplates xmlns="http://schemas.microsoft.com/sharepoint/v3/contenttype/forms">
+  <Display>DocumentLibraryForm</Display>
+  <Edit>DocumentLibraryForm</Edit>
+  <New>DocumentLibraryForm</New>
+</FormTemplates>
+</file>
+
+<file path=customXml/item2.xml><?xml version="1.0" encoding="utf-8"?>
+<p:properties xmlns:p="http://schemas.microsoft.com/office/2006/metadata/properties" xmlns:xsi="http://www.w3.org/2001/XMLSchema-instance" xmlns:pc="http://schemas.microsoft.com/office/infopath/2007/PartnerControls">
+  <documentManagement/>
+</p:properties>
+</file>
+
+<file path=customXml/item3.xml><?xml version="1.0" encoding="utf-8"?>
 <ct:contentTypeSchema xmlns:ct="http://schemas.microsoft.com/office/2006/metadata/contentType" xmlns:ma="http://schemas.microsoft.com/office/2006/metadata/properties/metaAttributes" ct:_="" ma:_="" ma:contentTypeName="Document" ma:contentTypeID="0x01010058C64DCBBBB02E47B40AAE6C01CFFF74" ma:contentTypeVersion="1" ma:contentTypeDescription="Create a new document." ma:contentTypeScope="" ma:versionID="ed9f4f4e58614d4f82a4863f2a55a10b">
   <xsd:schema xmlns:xsd="http://www.w3.org/2001/XMLSchema" xmlns:xs="http://www.w3.org/2001/XMLSchema" xmlns:p="http://schemas.microsoft.com/office/2006/metadata/properties" xmlns:ns3="75fa4488-412e-4aad-a494-5f11aff3f35a" targetNamespace="http://schemas.microsoft.com/office/2006/metadata/properties" ma:root="true" ma:fieldsID="9e40df8ca300f98e02f87cfdfa8a0fec" ns3:_="">
     <xsd:import namespace="75fa4488-412e-4aad-a494-5f11aff3f35a"/>
@@ -7017,35 +7048,10 @@
 </ct:contentTypeSchema>
 </file>
 
-<file path=customXml/item2.xml><?xml version="1.0" encoding="utf-8"?>
-<p:properties xmlns:p="http://schemas.microsoft.com/office/2006/metadata/properties" xmlns:xsi="http://www.w3.org/2001/XMLSchema-instance" xmlns:pc="http://schemas.microsoft.com/office/infopath/2007/PartnerControls">
-  <documentManagement/>
-</p:properties>
-</file>
-
-<file path=customXml/item3.xml><?xml version="1.0" encoding="utf-8"?>
-<?mso-contentType ?>
-<FormTemplates xmlns="http://schemas.microsoft.com/sharepoint/v3/contenttype/forms">
-  <Display>DocumentLibraryForm</Display>
-  <Edit>DocumentLibraryForm</Edit>
-  <New>DocumentLibraryForm</New>
-</FormTemplates>
-</file>
-
 <file path=customXml/itemProps1.xml><?xml version="1.0" encoding="utf-8"?>
-<ds:datastoreItem xmlns:ds="http://schemas.openxmlformats.org/officeDocument/2006/customXml" ds:itemID="{8D5271B5-4D4B-48D0-8119-5E169AFC2124}">
+<ds:datastoreItem xmlns:ds="http://schemas.openxmlformats.org/officeDocument/2006/customXml" ds:itemID="{86BCD1B8-BEDB-412C-86AE-9E7F6160505C}">
   <ds:schemaRefs>
-    <ds:schemaRef ds:uri="http://schemas.microsoft.com/office/2006/metadata/contentType"/>
-    <ds:schemaRef ds:uri="http://schemas.microsoft.com/office/2006/metadata/properties/metaAttributes"/>
-    <ds:schemaRef ds:uri="http://www.w3.org/2001/XMLSchema"/>
-    <ds:schemaRef ds:uri="http://schemas.microsoft.com/office/2006/metadata/properties"/>
-    <ds:schemaRef ds:uri="75fa4488-412e-4aad-a494-5f11aff3f35a"/>
-    <ds:schemaRef ds:uri="http://schemas.microsoft.com/office/2006/documentManagement/types"/>
-    <ds:schemaRef ds:uri="http://schemas.microsoft.com/office/infopath/2007/PartnerControls"/>
-    <ds:schemaRef ds:uri="http://schemas.openxmlformats.org/package/2006/metadata/core-properties"/>
-    <ds:schemaRef ds:uri="http://purl.org/dc/elements/1.1/"/>
-    <ds:schemaRef ds:uri="http://purl.org/dc/terms/"/>
-    <ds:schemaRef ds:uri="http://schemas.microsoft.com/internal/obd"/>
+    <ds:schemaRef ds:uri="http://schemas.microsoft.com/sharepoint/v3/contenttype/forms"/>
   </ds:schemaRefs>
 </ds:datastoreItem>
 </file>
@@ -7067,9 +7073,19 @@
 </file>
 
 <file path=customXml/itemProps3.xml><?xml version="1.0" encoding="utf-8"?>
-<ds:datastoreItem xmlns:ds="http://schemas.openxmlformats.org/officeDocument/2006/customXml" ds:itemID="{86BCD1B8-BEDB-412C-86AE-9E7F6160505C}">
+<ds:datastoreItem xmlns:ds="http://schemas.openxmlformats.org/officeDocument/2006/customXml" ds:itemID="{8D5271B5-4D4B-48D0-8119-5E169AFC2124}">
   <ds:schemaRefs>
-    <ds:schemaRef ds:uri="http://schemas.microsoft.com/sharepoint/v3/contenttype/forms"/>
+    <ds:schemaRef ds:uri="http://schemas.microsoft.com/office/2006/metadata/contentType"/>
+    <ds:schemaRef ds:uri="http://schemas.microsoft.com/office/2006/metadata/properties/metaAttributes"/>
+    <ds:schemaRef ds:uri="http://www.w3.org/2001/XMLSchema"/>
+    <ds:schemaRef ds:uri="http://schemas.microsoft.com/office/2006/metadata/properties"/>
+    <ds:schemaRef ds:uri="75fa4488-412e-4aad-a494-5f11aff3f35a"/>
+    <ds:schemaRef ds:uri="http://schemas.microsoft.com/office/2006/documentManagement/types"/>
+    <ds:schemaRef ds:uri="http://schemas.microsoft.com/office/infopath/2007/PartnerControls"/>
+    <ds:schemaRef ds:uri="http://schemas.openxmlformats.org/package/2006/metadata/core-properties"/>
+    <ds:schemaRef ds:uri="http://purl.org/dc/elements/1.1/"/>
+    <ds:schemaRef ds:uri="http://purl.org/dc/terms/"/>
+    <ds:schemaRef ds:uri="http://schemas.microsoft.com/internal/obd"/>
   </ds:schemaRefs>
 </ds:datastoreItem>
 </file>